--- a/ManuscriptFrontier/revisionTrack/unmetNeeds.pptx
+++ b/ManuscriptFrontier/revisionTrack/unmetNeeds.pptx
@@ -3465,7 +3465,15 @@
           <a:p>
             <a:r>
               <a:rPr lang="en-US" dirty="0"/>
-              <a:t>2).  Please check reviewer’s comment on “move the implementation details to supplementary”, any actions?</a:t>
+              <a:t>2).  Please check reviewer’s comment on “move the implementation details to supplementary”, any actions? </a:t>
+            </a:r>
+            <a:r>
+              <a:rPr lang="en-US" b="1" dirty="0">
+                <a:solidFill>
+                  <a:srgbClr val="FF0000"/>
+                </a:solidFill>
+              </a:rPr>
+              <a:t>– done </a:t>
             </a:r>
           </a:p>
           <a:p>
@@ -3473,6 +3481,15 @@
               <a:rPr lang="en-US" dirty="0"/>
               <a:t>3).  Please answer “why are the results provided in zipped file”</a:t>
             </a:r>
+            <a:r>
+              <a:rPr lang="en-US" b="1" dirty="0">
+                <a:solidFill>
+                  <a:srgbClr val="FF0000"/>
+                </a:solidFill>
+              </a:rPr>
+              <a:t> – done </a:t>
+            </a:r>
+            <a:endParaRPr lang="en-US" dirty="0"/>
           </a:p>
           <a:p>
             <a:r>
@@ -3487,6 +3504,15 @@
               <a:rPr lang="en-US" dirty="0"/>
               <a:t> standard, we can mention in the letter.  If not, you can include more comments in the code.</a:t>
             </a:r>
+            <a:r>
+              <a:rPr lang="en-US" b="1" dirty="0">
+                <a:solidFill>
+                  <a:srgbClr val="FF0000"/>
+                </a:solidFill>
+              </a:rPr>
+              <a:t> – done </a:t>
+            </a:r>
+            <a:endParaRPr lang="en-US" dirty="0"/>
           </a:p>
         </p:txBody>
       </p:sp>
@@ -3579,13 +3605,32 @@
             </a:r>
             <a:r>
               <a:rPr lang="en-US" dirty="0"/>
-              <a:t> standard, we can mention in the letter.  </a:t>
-            </a:r>
-            <a:r>
-              <a:rPr lang="en-US"/>
-              <a:t>If not, you can include more comments in the code</a:t>
-            </a:r>
-            <a:endParaRPr lang="en-US" dirty="0"/>
+              <a:t> standard, we can mention in the letter.  If not, you can include more comments in the code</a:t>
+            </a:r>
+          </a:p>
+          <a:p>
+            <a:r>
+              <a:rPr lang="en-US" dirty="0"/>
+              <a:t>Our development is strictly focusing on the user’s friendly “web-application”; therefore, we have followed the best practice recommendation by </a:t>
+            </a:r>
+            <a:r>
+              <a:rPr lang="en-US" dirty="0" err="1"/>
+              <a:t>shinyapp</a:t>
+            </a:r>
+            <a:r>
+              <a:rPr lang="en-US" dirty="0"/>
+              <a:t> development </a:t>
+            </a:r>
+            <a:r>
+              <a:rPr lang="en-US" dirty="0">
+                <a:hlinkClick r:id="rId2"/>
+              </a:rPr>
+              <a:t>http://shiny.rstudio.com/</a:t>
+            </a:r>
+            <a:r>
+              <a:rPr lang="en-US" dirty="0"/>
+              <a:t>. We also .. See write up in word</a:t>
+            </a:r>
           </a:p>
         </p:txBody>
       </p:sp>
